--- a/monitor de energia eletrica.pptx
+++ b/monitor de energia eletrica.pptx
@@ -5,7 +5,7 @@
     <p:sldMasterId id="2147483673" r:id="rId1"/>
   </p:sldMasterIdLst>
   <p:notesMasterIdLst>
-    <p:notesMasterId r:id="rId14"/>
+    <p:notesMasterId r:id="rId15"/>
   </p:notesMasterIdLst>
   <p:sldIdLst>
     <p:sldId id="256" r:id="rId2"/>
@@ -15,36 +15,37 @@
     <p:sldId id="308" r:id="rId6"/>
     <p:sldId id="309" r:id="rId7"/>
     <p:sldId id="310" r:id="rId8"/>
-    <p:sldId id="311" r:id="rId9"/>
-    <p:sldId id="312" r:id="rId10"/>
-    <p:sldId id="313" r:id="rId11"/>
-    <p:sldId id="314" r:id="rId12"/>
-    <p:sldId id="266" r:id="rId13"/>
+    <p:sldId id="315" r:id="rId9"/>
+    <p:sldId id="311" r:id="rId10"/>
+    <p:sldId id="312" r:id="rId11"/>
+    <p:sldId id="313" r:id="rId12"/>
+    <p:sldId id="314" r:id="rId13"/>
+    <p:sldId id="266" r:id="rId14"/>
   </p:sldIdLst>
   <p:sldSz cx="9144000" cy="5143500" type="screen16x9"/>
   <p:notesSz cx="6858000" cy="9144000"/>
   <p:embeddedFontLst>
     <p:embeddedFont>
       <p:font typeface="Anaheim" panose="020B0604020202020204" charset="0"/>
-      <p:regular r:id="rId15"/>
-      <p:bold r:id="rId16"/>
+      <p:regular r:id="rId16"/>
+      <p:bold r:id="rId17"/>
     </p:embeddedFont>
     <p:embeddedFont>
       <p:font typeface="Hanken Grotesk" panose="020B0604020202020204" charset="0"/>
-      <p:regular r:id="rId17"/>
-      <p:bold r:id="rId18"/>
-      <p:italic r:id="rId19"/>
-      <p:boldItalic r:id="rId20"/>
+      <p:regular r:id="rId18"/>
+      <p:bold r:id="rId19"/>
+      <p:italic r:id="rId20"/>
+      <p:boldItalic r:id="rId21"/>
     </p:embeddedFont>
     <p:embeddedFont>
       <p:font typeface="Raleway Black" pitchFamily="2" charset="0"/>
-      <p:bold r:id="rId21"/>
-      <p:boldItalic r:id="rId22"/>
+      <p:bold r:id="rId22"/>
+      <p:boldItalic r:id="rId23"/>
     </p:embeddedFont>
     <p:embeddedFont>
       <p:font typeface="Raleway ExtraBold" pitchFamily="2" charset="0"/>
-      <p:bold r:id="rId23"/>
-      <p:boldItalic r:id="rId24"/>
+      <p:bold r:id="rId24"/>
+      <p:boldItalic r:id="rId25"/>
     </p:embeddedFont>
   </p:embeddedFontLst>
   <p:defaultTextStyle>
@@ -877,6 +878,133 @@
         <p:cNvPr id="1" name="Shape 756">
           <a:extLst>
             <a:ext uri="{FF2B5EF4-FFF2-40B4-BE49-F238E27FC236}">
+              <a16:creationId xmlns:a16="http://schemas.microsoft.com/office/drawing/2014/main" id="{CFEDFFCD-D514-1065-C2FC-CF721E94B84A}"/>
+            </a:ext>
+          </a:extLst>
+        </p:cNvPr>
+        <p:cNvGrpSpPr/>
+        <p:nvPr/>
+      </p:nvGrpSpPr>
+      <p:grpSpPr>
+        <a:xfrm>
+          <a:off x="0" y="0"/>
+          <a:ext cx="0" cy="0"/>
+          <a:chOff x="0" y="0"/>
+          <a:chExt cx="0" cy="0"/>
+        </a:xfrm>
+      </p:grpSpPr>
+      <p:sp>
+        <p:nvSpPr>
+          <p:cNvPr id="757" name="Google Shape;757;g54dda1946d_6_332:notes">
+            <a:extLst>
+              <a:ext uri="{FF2B5EF4-FFF2-40B4-BE49-F238E27FC236}">
+                <a16:creationId xmlns:a16="http://schemas.microsoft.com/office/drawing/2014/main" id="{F5CA4742-33E0-D859-E0F5-091A5FDCEB9F}"/>
+              </a:ext>
+            </a:extLst>
+          </p:cNvPr>
+          <p:cNvSpPr>
+            <a:spLocks noGrp="1" noRot="1" noChangeAspect="1"/>
+          </p:cNvSpPr>
+          <p:nvPr>
+            <p:ph type="sldImg" idx="2"/>
+          </p:nvPr>
+        </p:nvSpPr>
+        <p:spPr>
+          <a:xfrm>
+            <a:off x="381000" y="685800"/>
+            <a:ext cx="6096000" cy="3429000"/>
+          </a:xfrm>
+          <a:custGeom>
+            <a:avLst/>
+            <a:gdLst/>
+            <a:ahLst/>
+            <a:cxnLst/>
+            <a:rect l="l" t="t" r="r" b="b"/>
+            <a:pathLst>
+              <a:path w="120000" h="120000" extrusionOk="0">
+                <a:moveTo>
+                  <a:pt x="0" y="0"/>
+                </a:moveTo>
+                <a:lnTo>
+                  <a:pt x="120000" y="0"/>
+                </a:lnTo>
+                <a:lnTo>
+                  <a:pt x="120000" y="120000"/>
+                </a:lnTo>
+                <a:lnTo>
+                  <a:pt x="0" y="120000"/>
+                </a:lnTo>
+                <a:close/>
+              </a:path>
+            </a:pathLst>
+          </a:custGeom>
+        </p:spPr>
+      </p:sp>
+      <p:sp>
+        <p:nvSpPr>
+          <p:cNvPr id="758" name="Google Shape;758;g54dda1946d_6_332:notes">
+            <a:extLst>
+              <a:ext uri="{FF2B5EF4-FFF2-40B4-BE49-F238E27FC236}">
+                <a16:creationId xmlns:a16="http://schemas.microsoft.com/office/drawing/2014/main" id="{CB9817D4-2C80-9FC1-E08C-6DA8EE373D64}"/>
+              </a:ext>
+            </a:extLst>
+          </p:cNvPr>
+          <p:cNvSpPr txBox="1">
+            <a:spLocks noGrp="1"/>
+          </p:cNvSpPr>
+          <p:nvPr>
+            <p:ph type="body" idx="1"/>
+          </p:nvPr>
+        </p:nvSpPr>
+        <p:spPr>
+          <a:xfrm>
+            <a:off x="685800" y="4343400"/>
+            <a:ext cx="5486400" cy="4114800"/>
+          </a:xfrm>
+          <a:prstGeom prst="rect">
+            <a:avLst/>
+          </a:prstGeom>
+        </p:spPr>
+        <p:txBody>
+          <a:bodyPr spcFirstLastPara="1" wrap="square" lIns="91425" tIns="91425" rIns="91425" bIns="91425" anchor="t" anchorCtr="0">
+            <a:noAutofit/>
+          </a:bodyPr>
+          <a:lstStyle/>
+          <a:p>
+            <a:pPr marL="0" lvl="0" indent="0" algn="l" rtl="0">
+              <a:spcBef>
+                <a:spcPts val="0"/>
+              </a:spcBef>
+              <a:spcAft>
+                <a:spcPts val="0"/>
+              </a:spcAft>
+              <a:buNone/>
+            </a:pPr>
+            <a:endParaRPr/>
+          </a:p>
+        </p:txBody>
+      </p:sp>
+    </p:spTree>
+    <p:extLst>
+      <p:ext uri="{BB962C8B-B14F-4D97-AF65-F5344CB8AC3E}">
+        <p14:creationId xmlns:p14="http://schemas.microsoft.com/office/powerpoint/2010/main" val="2751190228"/>
+      </p:ext>
+    </p:extLst>
+  </p:cSld>
+  <p:clrMapOvr>
+    <a:masterClrMapping/>
+  </p:clrMapOvr>
+</p:notes>
+</file>
+
+<file path=ppt/notesSlides/notesSlide11.xml><?xml version="1.0" encoding="utf-8"?>
+<p:notes xmlns:a="http://schemas.openxmlformats.org/drawingml/2006/main" xmlns:r="http://schemas.openxmlformats.org/officeDocument/2006/relationships" xmlns:p="http://schemas.openxmlformats.org/presentationml/2006/main" showMasterSp="0" showMasterPhAnim="0">
+  <p:cSld>
+    <p:spTree>
+      <p:nvGrpSpPr>
+        <p:cNvPr id="1" name="Shape 756">
+          <a:extLst>
+            <a:ext uri="{FF2B5EF4-FFF2-40B4-BE49-F238E27FC236}">
               <a16:creationId xmlns:a16="http://schemas.microsoft.com/office/drawing/2014/main" id="{8A1DD9D0-03D8-EE24-4E27-4321ADAEA011}"/>
             </a:ext>
           </a:extLst>
@@ -996,7 +1124,7 @@
 </p:notes>
 </file>
 
-<file path=ppt/notesSlides/notesSlide11.xml><?xml version="1.0" encoding="utf-8"?>
+<file path=ppt/notesSlides/notesSlide12.xml><?xml version="1.0" encoding="utf-8"?>
 <p:notes xmlns:a="http://schemas.openxmlformats.org/drawingml/2006/main" xmlns:r="http://schemas.openxmlformats.org/officeDocument/2006/relationships" xmlns:p="http://schemas.openxmlformats.org/presentationml/2006/main" showMasterSp="0" showMasterPhAnim="0">
   <p:cSld>
     <p:spTree>
@@ -1123,7 +1251,7 @@
 </p:notes>
 </file>
 
-<file path=ppt/notesSlides/notesSlide12.xml><?xml version="1.0" encoding="utf-8"?>
+<file path=ppt/notesSlides/notesSlide13.xml><?xml version="1.0" encoding="utf-8"?>
 <p:notes xmlns:a="http://schemas.openxmlformats.org/drawingml/2006/main" xmlns:r="http://schemas.openxmlformats.org/officeDocument/2006/relationships" xmlns:p="http://schemas.openxmlformats.org/presentationml/2006/main" showMasterSp="0" showMasterPhAnim="0">
   <p:cSld>
     <p:spTree>
@@ -1976,6 +2104,133 @@
         <p:cNvPr id="1" name="Shape 756">
           <a:extLst>
             <a:ext uri="{FF2B5EF4-FFF2-40B4-BE49-F238E27FC236}">
+              <a16:creationId xmlns:a16="http://schemas.microsoft.com/office/drawing/2014/main" id="{47D9B5BA-E3B6-62DB-E702-BEC0E8C3BEB1}"/>
+            </a:ext>
+          </a:extLst>
+        </p:cNvPr>
+        <p:cNvGrpSpPr/>
+        <p:nvPr/>
+      </p:nvGrpSpPr>
+      <p:grpSpPr>
+        <a:xfrm>
+          <a:off x="0" y="0"/>
+          <a:ext cx="0" cy="0"/>
+          <a:chOff x="0" y="0"/>
+          <a:chExt cx="0" cy="0"/>
+        </a:xfrm>
+      </p:grpSpPr>
+      <p:sp>
+        <p:nvSpPr>
+          <p:cNvPr id="757" name="Google Shape;757;g54dda1946d_6_332:notes">
+            <a:extLst>
+              <a:ext uri="{FF2B5EF4-FFF2-40B4-BE49-F238E27FC236}">
+                <a16:creationId xmlns:a16="http://schemas.microsoft.com/office/drawing/2014/main" id="{D926C305-EE08-08BB-BD8F-32CF6EAFFDDC}"/>
+              </a:ext>
+            </a:extLst>
+          </p:cNvPr>
+          <p:cNvSpPr>
+            <a:spLocks noGrp="1" noRot="1" noChangeAspect="1"/>
+          </p:cNvSpPr>
+          <p:nvPr>
+            <p:ph type="sldImg" idx="2"/>
+          </p:nvPr>
+        </p:nvSpPr>
+        <p:spPr>
+          <a:xfrm>
+            <a:off x="381000" y="685800"/>
+            <a:ext cx="6096000" cy="3429000"/>
+          </a:xfrm>
+          <a:custGeom>
+            <a:avLst/>
+            <a:gdLst/>
+            <a:ahLst/>
+            <a:cxnLst/>
+            <a:rect l="l" t="t" r="r" b="b"/>
+            <a:pathLst>
+              <a:path w="120000" h="120000" extrusionOk="0">
+                <a:moveTo>
+                  <a:pt x="0" y="0"/>
+                </a:moveTo>
+                <a:lnTo>
+                  <a:pt x="120000" y="0"/>
+                </a:lnTo>
+                <a:lnTo>
+                  <a:pt x="120000" y="120000"/>
+                </a:lnTo>
+                <a:lnTo>
+                  <a:pt x="0" y="120000"/>
+                </a:lnTo>
+                <a:close/>
+              </a:path>
+            </a:pathLst>
+          </a:custGeom>
+        </p:spPr>
+      </p:sp>
+      <p:sp>
+        <p:nvSpPr>
+          <p:cNvPr id="758" name="Google Shape;758;g54dda1946d_6_332:notes">
+            <a:extLst>
+              <a:ext uri="{FF2B5EF4-FFF2-40B4-BE49-F238E27FC236}">
+                <a16:creationId xmlns:a16="http://schemas.microsoft.com/office/drawing/2014/main" id="{8E02904C-2A83-6380-8F75-2E9EAE006E07}"/>
+              </a:ext>
+            </a:extLst>
+          </p:cNvPr>
+          <p:cNvSpPr txBox="1">
+            <a:spLocks noGrp="1"/>
+          </p:cNvSpPr>
+          <p:nvPr>
+            <p:ph type="body" idx="1"/>
+          </p:nvPr>
+        </p:nvSpPr>
+        <p:spPr>
+          <a:xfrm>
+            <a:off x="685800" y="4343400"/>
+            <a:ext cx="5486400" cy="4114800"/>
+          </a:xfrm>
+          <a:prstGeom prst="rect">
+            <a:avLst/>
+          </a:prstGeom>
+        </p:spPr>
+        <p:txBody>
+          <a:bodyPr spcFirstLastPara="1" wrap="square" lIns="91425" tIns="91425" rIns="91425" bIns="91425" anchor="t" anchorCtr="0">
+            <a:noAutofit/>
+          </a:bodyPr>
+          <a:lstStyle/>
+          <a:p>
+            <a:pPr marL="0" lvl="0" indent="0" algn="l" rtl="0">
+              <a:spcBef>
+                <a:spcPts val="0"/>
+              </a:spcBef>
+              <a:spcAft>
+                <a:spcPts val="0"/>
+              </a:spcAft>
+              <a:buNone/>
+            </a:pPr>
+            <a:endParaRPr/>
+          </a:p>
+        </p:txBody>
+      </p:sp>
+    </p:spTree>
+    <p:extLst>
+      <p:ext uri="{BB962C8B-B14F-4D97-AF65-F5344CB8AC3E}">
+        <p14:creationId xmlns:p14="http://schemas.microsoft.com/office/powerpoint/2010/main" val="3698475391"/>
+      </p:ext>
+    </p:extLst>
+  </p:cSld>
+  <p:clrMapOvr>
+    <a:masterClrMapping/>
+  </p:clrMapOvr>
+</p:notes>
+</file>
+
+<file path=ppt/notesSlides/notesSlide9.xml><?xml version="1.0" encoding="utf-8"?>
+<p:notes xmlns:a="http://schemas.openxmlformats.org/drawingml/2006/main" xmlns:r="http://schemas.openxmlformats.org/officeDocument/2006/relationships" xmlns:p="http://schemas.openxmlformats.org/presentationml/2006/main" showMasterSp="0" showMasterPhAnim="0">
+  <p:cSld>
+    <p:spTree>
+      <p:nvGrpSpPr>
+        <p:cNvPr id="1" name="Shape 756">
+          <a:extLst>
+            <a:ext uri="{FF2B5EF4-FFF2-40B4-BE49-F238E27FC236}">
               <a16:creationId xmlns:a16="http://schemas.microsoft.com/office/drawing/2014/main" id="{5B6E4730-79CE-7FC7-98B0-05B86607123A}"/>
             </a:ext>
           </a:extLst>
@@ -2086,133 +2341,6 @@
     <p:extLst>
       <p:ext uri="{BB962C8B-B14F-4D97-AF65-F5344CB8AC3E}">
         <p14:creationId xmlns:p14="http://schemas.microsoft.com/office/powerpoint/2010/main" val="1390371330"/>
-      </p:ext>
-    </p:extLst>
-  </p:cSld>
-  <p:clrMapOvr>
-    <a:masterClrMapping/>
-  </p:clrMapOvr>
-</p:notes>
-</file>
-
-<file path=ppt/notesSlides/notesSlide9.xml><?xml version="1.0" encoding="utf-8"?>
-<p:notes xmlns:a="http://schemas.openxmlformats.org/drawingml/2006/main" xmlns:r="http://schemas.openxmlformats.org/officeDocument/2006/relationships" xmlns:p="http://schemas.openxmlformats.org/presentationml/2006/main" showMasterSp="0" showMasterPhAnim="0">
-  <p:cSld>
-    <p:spTree>
-      <p:nvGrpSpPr>
-        <p:cNvPr id="1" name="Shape 756">
-          <a:extLst>
-            <a:ext uri="{FF2B5EF4-FFF2-40B4-BE49-F238E27FC236}">
-              <a16:creationId xmlns:a16="http://schemas.microsoft.com/office/drawing/2014/main" id="{CFEDFFCD-D514-1065-C2FC-CF721E94B84A}"/>
-            </a:ext>
-          </a:extLst>
-        </p:cNvPr>
-        <p:cNvGrpSpPr/>
-        <p:nvPr/>
-      </p:nvGrpSpPr>
-      <p:grpSpPr>
-        <a:xfrm>
-          <a:off x="0" y="0"/>
-          <a:ext cx="0" cy="0"/>
-          <a:chOff x="0" y="0"/>
-          <a:chExt cx="0" cy="0"/>
-        </a:xfrm>
-      </p:grpSpPr>
-      <p:sp>
-        <p:nvSpPr>
-          <p:cNvPr id="757" name="Google Shape;757;g54dda1946d_6_332:notes">
-            <a:extLst>
-              <a:ext uri="{FF2B5EF4-FFF2-40B4-BE49-F238E27FC236}">
-                <a16:creationId xmlns:a16="http://schemas.microsoft.com/office/drawing/2014/main" id="{F5CA4742-33E0-D859-E0F5-091A5FDCEB9F}"/>
-              </a:ext>
-            </a:extLst>
-          </p:cNvPr>
-          <p:cNvSpPr>
-            <a:spLocks noGrp="1" noRot="1" noChangeAspect="1"/>
-          </p:cNvSpPr>
-          <p:nvPr>
-            <p:ph type="sldImg" idx="2"/>
-          </p:nvPr>
-        </p:nvSpPr>
-        <p:spPr>
-          <a:xfrm>
-            <a:off x="381000" y="685800"/>
-            <a:ext cx="6096000" cy="3429000"/>
-          </a:xfrm>
-          <a:custGeom>
-            <a:avLst/>
-            <a:gdLst/>
-            <a:ahLst/>
-            <a:cxnLst/>
-            <a:rect l="l" t="t" r="r" b="b"/>
-            <a:pathLst>
-              <a:path w="120000" h="120000" extrusionOk="0">
-                <a:moveTo>
-                  <a:pt x="0" y="0"/>
-                </a:moveTo>
-                <a:lnTo>
-                  <a:pt x="120000" y="0"/>
-                </a:lnTo>
-                <a:lnTo>
-                  <a:pt x="120000" y="120000"/>
-                </a:lnTo>
-                <a:lnTo>
-                  <a:pt x="0" y="120000"/>
-                </a:lnTo>
-                <a:close/>
-              </a:path>
-            </a:pathLst>
-          </a:custGeom>
-        </p:spPr>
-      </p:sp>
-      <p:sp>
-        <p:nvSpPr>
-          <p:cNvPr id="758" name="Google Shape;758;g54dda1946d_6_332:notes">
-            <a:extLst>
-              <a:ext uri="{FF2B5EF4-FFF2-40B4-BE49-F238E27FC236}">
-                <a16:creationId xmlns:a16="http://schemas.microsoft.com/office/drawing/2014/main" id="{CB9817D4-2C80-9FC1-E08C-6DA8EE373D64}"/>
-              </a:ext>
-            </a:extLst>
-          </p:cNvPr>
-          <p:cNvSpPr txBox="1">
-            <a:spLocks noGrp="1"/>
-          </p:cNvSpPr>
-          <p:nvPr>
-            <p:ph type="body" idx="1"/>
-          </p:nvPr>
-        </p:nvSpPr>
-        <p:spPr>
-          <a:xfrm>
-            <a:off x="685800" y="4343400"/>
-            <a:ext cx="5486400" cy="4114800"/>
-          </a:xfrm>
-          <a:prstGeom prst="rect">
-            <a:avLst/>
-          </a:prstGeom>
-        </p:spPr>
-        <p:txBody>
-          <a:bodyPr spcFirstLastPara="1" wrap="square" lIns="91425" tIns="91425" rIns="91425" bIns="91425" anchor="t" anchorCtr="0">
-            <a:noAutofit/>
-          </a:bodyPr>
-          <a:lstStyle/>
-          <a:p>
-            <a:pPr marL="0" lvl="0" indent="0" algn="l" rtl="0">
-              <a:spcBef>
-                <a:spcPts val="0"/>
-              </a:spcBef>
-              <a:spcAft>
-                <a:spcPts val="0"/>
-              </a:spcAft>
-              <a:buNone/>
-            </a:pPr>
-            <a:endParaRPr/>
-          </a:p>
-        </p:txBody>
-      </p:sp>
-    </p:spTree>
-    <p:extLst>
-      <p:ext uri="{BB962C8B-B14F-4D97-AF65-F5344CB8AC3E}">
-        <p14:creationId xmlns:p14="http://schemas.microsoft.com/office/powerpoint/2010/main" val="2751190228"/>
       </p:ext>
     </p:extLst>
   </p:cSld>
@@ -20731,6 +20859,170 @@
         <p:cNvPr id="1" name="Shape 759">
           <a:extLst>
             <a:ext uri="{FF2B5EF4-FFF2-40B4-BE49-F238E27FC236}">
+              <a16:creationId xmlns:a16="http://schemas.microsoft.com/office/drawing/2014/main" id="{07757586-9DEF-8804-675F-A8CB7461F92B}"/>
+            </a:ext>
+          </a:extLst>
+        </p:cNvPr>
+        <p:cNvGrpSpPr/>
+        <p:nvPr/>
+      </p:nvGrpSpPr>
+      <p:grpSpPr>
+        <a:xfrm>
+          <a:off x="0" y="0"/>
+          <a:ext cx="0" cy="0"/>
+          <a:chOff x="0" y="0"/>
+          <a:chExt cx="0" cy="0"/>
+        </a:xfrm>
+      </p:grpSpPr>
+      <p:sp>
+        <p:nvSpPr>
+          <p:cNvPr id="761" name="Google Shape;761;p33">
+            <a:extLst>
+              <a:ext uri="{FF2B5EF4-FFF2-40B4-BE49-F238E27FC236}">
+                <a16:creationId xmlns:a16="http://schemas.microsoft.com/office/drawing/2014/main" id="{7B352D48-C3C5-0FC1-37DB-0292D3551CC5}"/>
+              </a:ext>
+            </a:extLst>
+          </p:cNvPr>
+          <p:cNvSpPr txBox="1">
+            <a:spLocks noGrp="1"/>
+          </p:cNvSpPr>
+          <p:nvPr>
+            <p:ph type="title"/>
+          </p:nvPr>
+        </p:nvSpPr>
+        <p:spPr>
+          <a:xfrm>
+            <a:off x="720000" y="445025"/>
+            <a:ext cx="7704000" cy="572700"/>
+          </a:xfrm>
+          <a:prstGeom prst="rect">
+            <a:avLst/>
+          </a:prstGeom>
+        </p:spPr>
+        <p:txBody>
+          <a:bodyPr spcFirstLastPara="1" wrap="square" lIns="91425" tIns="91425" rIns="91425" bIns="91425" anchor="t" anchorCtr="0">
+            <a:noAutofit/>
+          </a:bodyPr>
+          <a:lstStyle/>
+          <a:p>
+            <a:pPr lvl="0"/>
+            <a:r>
+              <a:rPr lang="pt-BR" dirty="0"/>
+              <a:t>CONEXÃO E CONFIGURAÇÕES</a:t>
+            </a:r>
+            <a:endParaRPr dirty="0"/>
+          </a:p>
+        </p:txBody>
+      </p:sp>
+      <p:sp>
+        <p:nvSpPr>
+          <p:cNvPr id="763" name="Google Shape;763;p33">
+            <a:extLst>
+              <a:ext uri="{FF2B5EF4-FFF2-40B4-BE49-F238E27FC236}">
+                <a16:creationId xmlns:a16="http://schemas.microsoft.com/office/drawing/2014/main" id="{1BF239B3-69B3-3FDB-26C6-5E693065E26E}"/>
+              </a:ext>
+            </a:extLst>
+          </p:cNvPr>
+          <p:cNvSpPr txBox="1">
+            <a:spLocks noGrp="1"/>
+          </p:cNvSpPr>
+          <p:nvPr>
+            <p:ph type="subTitle" idx="2"/>
+          </p:nvPr>
+        </p:nvSpPr>
+        <p:spPr>
+          <a:xfrm>
+            <a:off x="720000" y="1262051"/>
+            <a:ext cx="6519001" cy="3503099"/>
+          </a:xfrm>
+          <a:prstGeom prst="rect">
+            <a:avLst/>
+          </a:prstGeom>
+        </p:spPr>
+        <p:txBody>
+          <a:bodyPr spcFirstLastPara="1" wrap="square" lIns="91425" tIns="91425" rIns="91425" bIns="91425" anchor="t" anchorCtr="0">
+            <a:noAutofit/>
+          </a:bodyPr>
+          <a:lstStyle/>
+          <a:p>
+            <a:pPr marL="342900" lvl="0" indent="-342900">
+              <a:lnSpc>
+                <a:spcPct val="150000"/>
+              </a:lnSpc>
+              <a:buFont typeface="Wingdings" panose="05000000000000000000" pitchFamily="2" charset="2"/>
+              <a:buChar char="§"/>
+            </a:pPr>
+            <a:r>
+              <a:rPr lang="pt-BR" sz="2000" dirty="0"/>
+              <a:t>Wi-Fi: Define SSID, senha e conecta o ESP32 à rede.</a:t>
+            </a:r>
+          </a:p>
+          <a:p>
+            <a:pPr marL="342900" lvl="0" indent="-342900">
+              <a:lnSpc>
+                <a:spcPct val="150000"/>
+              </a:lnSpc>
+              <a:buFont typeface="Wingdings" panose="05000000000000000000" pitchFamily="2" charset="2"/>
+              <a:buChar char="§"/>
+            </a:pPr>
+            <a:r>
+              <a:rPr lang="pt-BR" sz="2000" dirty="0"/>
+              <a:t>Sensor SCT-013: Configura pino ADC (34), tensão RMS (110V) e constante de calibração (6.06).</a:t>
+            </a:r>
+          </a:p>
+          <a:p>
+            <a:pPr marL="342900" lvl="0" indent="-342900">
+              <a:lnSpc>
+                <a:spcPct val="150000"/>
+              </a:lnSpc>
+              <a:buFont typeface="Wingdings" panose="05000000000000000000" pitchFamily="2" charset="2"/>
+              <a:buChar char="§"/>
+            </a:pPr>
+            <a:r>
+              <a:rPr lang="pt-BR" sz="2000" dirty="0"/>
+              <a:t>Identificação do Dispositivo: ID único (REL001).</a:t>
+            </a:r>
+          </a:p>
+          <a:p>
+            <a:pPr marL="342900" lvl="0" indent="-342900">
+              <a:lnSpc>
+                <a:spcPct val="150000"/>
+              </a:lnSpc>
+              <a:buFont typeface="Wingdings" panose="05000000000000000000" pitchFamily="2" charset="2"/>
+              <a:buChar char="§"/>
+            </a:pPr>
+            <a:r>
+              <a:rPr lang="pt-BR" sz="2000" dirty="0" err="1"/>
+              <a:t>Backend</a:t>
+            </a:r>
+            <a:r>
+              <a:rPr lang="pt-BR" sz="2000" dirty="0"/>
+              <a:t>: Define host (192.168.12.11) e porta (3001) para comunicação com a API.</a:t>
+            </a:r>
+          </a:p>
+        </p:txBody>
+      </p:sp>
+    </p:spTree>
+    <p:extLst>
+      <p:ext uri="{BB962C8B-B14F-4D97-AF65-F5344CB8AC3E}">
+        <p14:creationId xmlns:p14="http://schemas.microsoft.com/office/powerpoint/2010/main" val="2280013785"/>
+      </p:ext>
+    </p:extLst>
+  </p:cSld>
+  <p:clrMapOvr>
+    <a:masterClrMapping/>
+  </p:clrMapOvr>
+</p:sld>
+</file>
+
+<file path=ppt/slides/slide11.xml><?xml version="1.0" encoding="utf-8"?>
+<p:sld xmlns:a="http://schemas.openxmlformats.org/drawingml/2006/main" xmlns:r="http://schemas.openxmlformats.org/officeDocument/2006/relationships" xmlns:p="http://schemas.openxmlformats.org/presentationml/2006/main">
+  <p:cSld>
+    <p:spTree>
+      <p:nvGrpSpPr>
+        <p:cNvPr id="1" name="Shape 759">
+          <a:extLst>
+            <a:ext uri="{FF2B5EF4-FFF2-40B4-BE49-F238E27FC236}">
               <a16:creationId xmlns:a16="http://schemas.microsoft.com/office/drawing/2014/main" id="{020B7E9B-5539-5B71-7AEA-298E4C8B7EF0}"/>
             </a:ext>
           </a:extLst>
@@ -20804,8 +21096,8 @@
         </p:nvSpPr>
         <p:spPr>
           <a:xfrm>
-            <a:off x="720000" y="1262051"/>
-            <a:ext cx="6519001" cy="3503099"/>
+            <a:off x="720000" y="1295781"/>
+            <a:ext cx="6519001" cy="3402694"/>
           </a:xfrm>
           <a:prstGeom prst="rect">
             <a:avLst/>
@@ -20825,35 +21117,44 @@
               <a:buChar char="§"/>
             </a:pPr>
             <a:r>
-              <a:rPr lang="pt-BR" sz="2000" b="1" dirty="0"/>
+              <a:rPr lang="pt-BR" sz="1900" b="1" dirty="0"/>
               <a:t>A cada 5s</a:t>
             </a:r>
             <a:r>
-              <a:rPr lang="pt-BR" sz="2000" dirty="0"/>
+              <a:rPr lang="pt-BR" sz="1900" dirty="0"/>
               <a:t>: Mede corrente (</a:t>
             </a:r>
             <a:r>
-              <a:rPr lang="pt-BR" sz="2000" dirty="0" err="1"/>
+              <a:rPr lang="pt-BR" sz="1900" dirty="0" err="1"/>
               <a:t>Irms</a:t>
             </a:r>
             <a:r>
-              <a:rPr lang="pt-BR" sz="2000" dirty="0"/>
-              <a:t>), calcula potência e converte em </a:t>
+              <a:rPr lang="pt-BR" sz="1900" dirty="0"/>
+              <a:t>), calcula potência e converte em Wh.</a:t>
+            </a:r>
+          </a:p>
+          <a:p>
+            <a:pPr marL="342900" lvl="0" indent="-342900">
+              <a:lnSpc>
+                <a:spcPct val="150000"/>
+              </a:lnSpc>
+              <a:buFont typeface="Wingdings" panose="05000000000000000000" pitchFamily="2" charset="2"/>
+              <a:buChar char="§"/>
+            </a:pPr>
+            <a:r>
+              <a:rPr lang="pt-BR" sz="1900" b="1" dirty="0"/>
+              <a:t>Acúmulo: </a:t>
             </a:r>
             <a:r>
-              <a:rPr lang="pt-BR" sz="2000" dirty="0" err="1"/>
-              <a:t>Wh.Acúmulo</a:t>
+              <a:rPr lang="pt-BR" sz="1900" dirty="0"/>
+              <a:t>Soma Wh em </a:t>
             </a:r>
             <a:r>
-              <a:rPr lang="pt-BR" sz="2000" dirty="0"/>
-              <a:t>: Soma Wh em </a:t>
-            </a:r>
-            <a:r>
-              <a:rPr lang="pt-BR" sz="2000" dirty="0" err="1"/>
+              <a:rPr lang="pt-BR" sz="1900" dirty="0" err="1"/>
               <a:t>accumulated_wh</a:t>
             </a:r>
             <a:r>
-              <a:rPr lang="pt-BR" sz="2000" dirty="0"/>
+              <a:rPr lang="pt-BR" sz="1900" dirty="0"/>
               <a:t>.</a:t>
             </a:r>
           </a:p>
@@ -20866,19 +21167,19 @@
               <a:buChar char="§"/>
             </a:pPr>
             <a:r>
-              <a:rPr lang="pt-BR" sz="2000" b="1" dirty="0"/>
+              <a:rPr lang="pt-BR" sz="1900" b="1" dirty="0"/>
               <a:t>Feedback Serial: </a:t>
             </a:r>
             <a:r>
-              <a:rPr lang="pt-BR" sz="2000" dirty="0"/>
+              <a:rPr lang="pt-BR" sz="1900" dirty="0"/>
               <a:t>Exibe </a:t>
             </a:r>
             <a:r>
-              <a:rPr lang="pt-BR" sz="2000" dirty="0" err="1"/>
+              <a:rPr lang="pt-BR" sz="1900" dirty="0" err="1"/>
               <a:t>Irms</a:t>
             </a:r>
             <a:r>
-              <a:rPr lang="pt-BR" sz="2000" dirty="0"/>
+              <a:rPr lang="pt-BR" sz="1900" dirty="0"/>
               <a:t>, potência e consumo acumulado.</a:t>
             </a:r>
           </a:p>
@@ -20891,11 +21192,11 @@
               <a:buChar char="§"/>
             </a:pPr>
             <a:r>
-              <a:rPr lang="pt-BR" sz="2000" b="1" dirty="0"/>
+              <a:rPr lang="pt-BR" sz="1900" b="1" dirty="0"/>
               <a:t>A cada 1min30s: </a:t>
             </a:r>
             <a:r>
-              <a:rPr lang="pt-BR" sz="2000" dirty="0"/>
+              <a:rPr lang="pt-BR" sz="1900" dirty="0"/>
               <a:t>Envia dados ao servidor e zera o acumulador.</a:t>
             </a:r>
           </a:p>
@@ -20914,7 +21215,7 @@
 </p:sld>
 </file>
 
-<file path=ppt/slides/slide11.xml><?xml version="1.0" encoding="utf-8"?>
+<file path=ppt/slides/slide12.xml><?xml version="1.0" encoding="utf-8"?>
 <p:sld xmlns:a="http://schemas.openxmlformats.org/drawingml/2006/main" xmlns:r="http://schemas.openxmlformats.org/officeDocument/2006/relationships" xmlns:p="http://schemas.openxmlformats.org/presentationml/2006/main">
   <p:cSld>
     <p:spTree>
@@ -21135,7 +21436,7 @@
 </p:sld>
 </file>
 
-<file path=ppt/slides/slide12.xml><?xml version="1.0" encoding="utf-8"?>
+<file path=ppt/slides/slide13.xml><?xml version="1.0" encoding="utf-8"?>
 <p:sld xmlns:a="http://schemas.openxmlformats.org/drawingml/2006/main" xmlns:r="http://schemas.openxmlformats.org/officeDocument/2006/relationships" xmlns:p="http://schemas.openxmlformats.org/presentationml/2006/main">
   <p:cSld>
     <p:spTree>
@@ -22537,7 +22838,7 @@
         </p:nvSpPr>
         <p:spPr>
           <a:xfrm>
-            <a:off x="5706297" y="1823675"/>
+            <a:off x="5675700" y="2353543"/>
             <a:ext cx="3042726" cy="490200"/>
           </a:xfrm>
           <a:prstGeom prst="rect">
@@ -24274,7 +24575,7 @@
         </p:nvSpPr>
         <p:spPr>
           <a:xfrm>
-            <a:off x="5706301" y="1213092"/>
+            <a:off x="5675700" y="1788022"/>
             <a:ext cx="1983000" cy="490200"/>
           </a:xfrm>
           <a:prstGeom prst="rect">
@@ -24561,7 +24862,7 @@
         </p:nvSpPr>
         <p:spPr>
           <a:xfrm>
-            <a:off x="5706297" y="2348490"/>
+            <a:off x="5706297" y="2911532"/>
             <a:ext cx="2717700" cy="490200"/>
           </a:xfrm>
           <a:prstGeom prst="rect">
@@ -24848,7 +25149,7 @@
         </p:nvSpPr>
         <p:spPr>
           <a:xfrm>
-            <a:off x="5706297" y="2916190"/>
+            <a:off x="5706297" y="3472193"/>
             <a:ext cx="2717700" cy="490200"/>
           </a:xfrm>
           <a:prstGeom prst="rect">
@@ -25400,6 +25701,293 @@
           <a:p>
             <a:pPr marL="0" indent="0"/>
             <a:endParaRPr lang="pt-BR" dirty="0"/>
+          </a:p>
+        </p:txBody>
+      </p:sp>
+      <p:sp>
+        <p:nvSpPr>
+          <p:cNvPr id="14" name="Google Shape;718;p30">
+            <a:extLst>
+              <a:ext uri="{FF2B5EF4-FFF2-40B4-BE49-F238E27FC236}">
+                <a16:creationId xmlns:a16="http://schemas.microsoft.com/office/drawing/2014/main" id="{637DF2CB-3626-9FFC-1943-478FA0C16F85}"/>
+              </a:ext>
+            </a:extLst>
+          </p:cNvPr>
+          <p:cNvSpPr txBox="1">
+            <a:spLocks/>
+          </p:cNvSpPr>
+          <p:nvPr/>
+        </p:nvSpPr>
+        <p:spPr>
+          <a:xfrm>
+            <a:off x="5675700" y="1211292"/>
+            <a:ext cx="2717700" cy="490200"/>
+          </a:xfrm>
+          <a:prstGeom prst="rect">
+            <a:avLst/>
+          </a:prstGeom>
+          <a:noFill/>
+          <a:ln>
+            <a:noFill/>
+          </a:ln>
+        </p:spPr>
+        <p:txBody>
+          <a:bodyPr spcFirstLastPara="1" wrap="square" lIns="91425" tIns="91425" rIns="91425" bIns="91425" anchor="ctr" anchorCtr="0">
+            <a:noAutofit/>
+          </a:bodyPr>
+          <a:lstStyle>
+            <a:defPPr marR="0" lvl="0" algn="l" rtl="0">
+              <a:lnSpc>
+                <a:spcPct val="100000"/>
+              </a:lnSpc>
+              <a:spcBef>
+                <a:spcPts val="0"/>
+              </a:spcBef>
+              <a:spcAft>
+                <a:spcPts val="0"/>
+              </a:spcAft>
+            </a:defPPr>
+            <a:lvl1pPr marL="457200" marR="0" lvl="0" indent="-304800" algn="l" rtl="0">
+              <a:lnSpc>
+                <a:spcPct val="100000"/>
+              </a:lnSpc>
+              <a:spcBef>
+                <a:spcPts val="0"/>
+              </a:spcBef>
+              <a:spcAft>
+                <a:spcPts val="0"/>
+              </a:spcAft>
+              <a:buClr>
+                <a:schemeClr val="dk1"/>
+              </a:buClr>
+              <a:buSzPts val="2400"/>
+              <a:buFont typeface="Raleway Black"/>
+              <a:buNone/>
+              <a:defRPr sz="1600" b="0" i="0" u="none" strike="noStrike" cap="none">
+                <a:solidFill>
+                  <a:schemeClr val="dk1"/>
+                </a:solidFill>
+                <a:latin typeface="Raleway Black"/>
+                <a:ea typeface="Raleway Black"/>
+                <a:cs typeface="Raleway Black"/>
+                <a:sym typeface="Raleway Black"/>
+              </a:defRPr>
+            </a:lvl1pPr>
+            <a:lvl2pPr marL="914400" marR="0" lvl="1" indent="-304800" algn="l" rtl="0">
+              <a:lnSpc>
+                <a:spcPct val="100000"/>
+              </a:lnSpc>
+              <a:spcBef>
+                <a:spcPts val="0"/>
+              </a:spcBef>
+              <a:spcAft>
+                <a:spcPts val="0"/>
+              </a:spcAft>
+              <a:buClr>
+                <a:schemeClr val="dk1"/>
+              </a:buClr>
+              <a:buSzPts val="2400"/>
+              <a:buFont typeface="Raleway Black"/>
+              <a:buNone/>
+              <a:defRPr sz="2400" b="0" i="0" u="none" strike="noStrike" cap="none">
+                <a:solidFill>
+                  <a:schemeClr val="dk1"/>
+                </a:solidFill>
+                <a:latin typeface="Raleway Black"/>
+                <a:ea typeface="Raleway Black"/>
+                <a:cs typeface="Raleway Black"/>
+                <a:sym typeface="Raleway Black"/>
+              </a:defRPr>
+            </a:lvl2pPr>
+            <a:lvl3pPr marL="1371600" marR="0" lvl="2" indent="-304800" algn="l" rtl="0">
+              <a:lnSpc>
+                <a:spcPct val="100000"/>
+              </a:lnSpc>
+              <a:spcBef>
+                <a:spcPts val="0"/>
+              </a:spcBef>
+              <a:spcAft>
+                <a:spcPts val="0"/>
+              </a:spcAft>
+              <a:buClr>
+                <a:schemeClr val="dk1"/>
+              </a:buClr>
+              <a:buSzPts val="2400"/>
+              <a:buFont typeface="Raleway Black"/>
+              <a:buNone/>
+              <a:defRPr sz="2400" b="0" i="0" u="none" strike="noStrike" cap="none">
+                <a:solidFill>
+                  <a:schemeClr val="dk1"/>
+                </a:solidFill>
+                <a:latin typeface="Raleway Black"/>
+                <a:ea typeface="Raleway Black"/>
+                <a:cs typeface="Raleway Black"/>
+                <a:sym typeface="Raleway Black"/>
+              </a:defRPr>
+            </a:lvl3pPr>
+            <a:lvl4pPr marL="1828800" marR="0" lvl="3" indent="-304800" algn="l" rtl="0">
+              <a:lnSpc>
+                <a:spcPct val="100000"/>
+              </a:lnSpc>
+              <a:spcBef>
+                <a:spcPts val="0"/>
+              </a:spcBef>
+              <a:spcAft>
+                <a:spcPts val="0"/>
+              </a:spcAft>
+              <a:buClr>
+                <a:schemeClr val="dk1"/>
+              </a:buClr>
+              <a:buSzPts val="2400"/>
+              <a:buFont typeface="Raleway Black"/>
+              <a:buNone/>
+              <a:defRPr sz="2400" b="0" i="0" u="none" strike="noStrike" cap="none">
+                <a:solidFill>
+                  <a:schemeClr val="dk1"/>
+                </a:solidFill>
+                <a:latin typeface="Raleway Black"/>
+                <a:ea typeface="Raleway Black"/>
+                <a:cs typeface="Raleway Black"/>
+                <a:sym typeface="Raleway Black"/>
+              </a:defRPr>
+            </a:lvl4pPr>
+            <a:lvl5pPr marL="2286000" marR="0" lvl="4" indent="-304800" algn="l" rtl="0">
+              <a:lnSpc>
+                <a:spcPct val="100000"/>
+              </a:lnSpc>
+              <a:spcBef>
+                <a:spcPts val="0"/>
+              </a:spcBef>
+              <a:spcAft>
+                <a:spcPts val="0"/>
+              </a:spcAft>
+              <a:buClr>
+                <a:schemeClr val="dk1"/>
+              </a:buClr>
+              <a:buSzPts val="2400"/>
+              <a:buFont typeface="Raleway Black"/>
+              <a:buNone/>
+              <a:defRPr sz="2400" b="0" i="0" u="none" strike="noStrike" cap="none">
+                <a:solidFill>
+                  <a:schemeClr val="dk1"/>
+                </a:solidFill>
+                <a:latin typeface="Raleway Black"/>
+                <a:ea typeface="Raleway Black"/>
+                <a:cs typeface="Raleway Black"/>
+                <a:sym typeface="Raleway Black"/>
+              </a:defRPr>
+            </a:lvl5pPr>
+            <a:lvl6pPr marL="2743200" marR="0" lvl="5" indent="-304800" algn="l" rtl="0">
+              <a:lnSpc>
+                <a:spcPct val="100000"/>
+              </a:lnSpc>
+              <a:spcBef>
+                <a:spcPts val="0"/>
+              </a:spcBef>
+              <a:spcAft>
+                <a:spcPts val="0"/>
+              </a:spcAft>
+              <a:buClr>
+                <a:schemeClr val="dk1"/>
+              </a:buClr>
+              <a:buSzPts val="2400"/>
+              <a:buFont typeface="Raleway Black"/>
+              <a:buNone/>
+              <a:defRPr sz="2400" b="0" i="0" u="none" strike="noStrike" cap="none">
+                <a:solidFill>
+                  <a:schemeClr val="dk1"/>
+                </a:solidFill>
+                <a:latin typeface="Raleway Black"/>
+                <a:ea typeface="Raleway Black"/>
+                <a:cs typeface="Raleway Black"/>
+                <a:sym typeface="Raleway Black"/>
+              </a:defRPr>
+            </a:lvl6pPr>
+            <a:lvl7pPr marL="3200400" marR="0" lvl="6" indent="-304800" algn="l" rtl="0">
+              <a:lnSpc>
+                <a:spcPct val="100000"/>
+              </a:lnSpc>
+              <a:spcBef>
+                <a:spcPts val="0"/>
+              </a:spcBef>
+              <a:spcAft>
+                <a:spcPts val="0"/>
+              </a:spcAft>
+              <a:buClr>
+                <a:schemeClr val="dk1"/>
+              </a:buClr>
+              <a:buSzPts val="2400"/>
+              <a:buFont typeface="Raleway Black"/>
+              <a:buNone/>
+              <a:defRPr sz="2400" b="0" i="0" u="none" strike="noStrike" cap="none">
+                <a:solidFill>
+                  <a:schemeClr val="dk1"/>
+                </a:solidFill>
+                <a:latin typeface="Raleway Black"/>
+                <a:ea typeface="Raleway Black"/>
+                <a:cs typeface="Raleway Black"/>
+                <a:sym typeface="Raleway Black"/>
+              </a:defRPr>
+            </a:lvl7pPr>
+            <a:lvl8pPr marL="3657600" marR="0" lvl="7" indent="-304800" algn="l" rtl="0">
+              <a:lnSpc>
+                <a:spcPct val="100000"/>
+              </a:lnSpc>
+              <a:spcBef>
+                <a:spcPts val="0"/>
+              </a:spcBef>
+              <a:spcAft>
+                <a:spcPts val="0"/>
+              </a:spcAft>
+              <a:buClr>
+                <a:schemeClr val="dk1"/>
+              </a:buClr>
+              <a:buSzPts val="2400"/>
+              <a:buFont typeface="Raleway Black"/>
+              <a:buNone/>
+              <a:defRPr sz="2400" b="0" i="0" u="none" strike="noStrike" cap="none">
+                <a:solidFill>
+                  <a:schemeClr val="dk1"/>
+                </a:solidFill>
+                <a:latin typeface="Raleway Black"/>
+                <a:ea typeface="Raleway Black"/>
+                <a:cs typeface="Raleway Black"/>
+                <a:sym typeface="Raleway Black"/>
+              </a:defRPr>
+            </a:lvl8pPr>
+            <a:lvl9pPr marL="4114800" marR="0" lvl="8" indent="-304800" algn="l" rtl="0">
+              <a:lnSpc>
+                <a:spcPct val="100000"/>
+              </a:lnSpc>
+              <a:spcBef>
+                <a:spcPts val="0"/>
+              </a:spcBef>
+              <a:spcAft>
+                <a:spcPts val="0"/>
+              </a:spcAft>
+              <a:buClr>
+                <a:schemeClr val="dk1"/>
+              </a:buClr>
+              <a:buSzPts val="2400"/>
+              <a:buFont typeface="Raleway Black"/>
+              <a:buNone/>
+              <a:defRPr sz="2400" b="0" i="0" u="none" strike="noStrike" cap="none">
+                <a:solidFill>
+                  <a:schemeClr val="dk1"/>
+                </a:solidFill>
+                <a:latin typeface="Raleway Black"/>
+                <a:ea typeface="Raleway Black"/>
+                <a:cs typeface="Raleway Black"/>
+                <a:sym typeface="Raleway Black"/>
+              </a:defRPr>
+            </a:lvl9pPr>
+          </a:lstStyle>
+          <a:p>
+            <a:pPr marL="0" indent="0"/>
+            <a:r>
+              <a:rPr lang="pt-BR" dirty="0"/>
+              <a:t>Funcionamento do Circuito</a:t>
+            </a:r>
           </a:p>
         </p:txBody>
       </p:sp>
@@ -26365,8 +26953,8 @@
         </p:nvSpPr>
         <p:spPr bwMode="auto">
           <a:xfrm>
-            <a:off x="720000" y="2322887"/>
-            <a:ext cx="7014300" cy="2545890"/>
+            <a:off x="720000" y="2571750"/>
+            <a:ext cx="7014300" cy="1714893"/>
           </a:xfrm>
           <a:prstGeom prst="rect">
             <a:avLst/>
@@ -26460,7 +27048,7 @@
                 </a:solidFill>
                 <a:latin typeface="Hanken Grotesk" panose="020B0604020202020204" charset="0"/>
               </a:rPr>
-              <a:t> variação do consumo entre os meses;</a:t>
+              <a:t> variação do valor pago entre os meses;</a:t>
             </a:r>
           </a:p>
           <a:p>
@@ -26520,56 +27108,6 @@
                 <a:latin typeface="Hanken Grotesk" panose="020B0604020202020204" charset="0"/>
               </a:rPr>
               <a:t> verifica padrão esperado do consumo;</a:t>
-            </a:r>
-          </a:p>
-          <a:p>
-            <a:pPr>
-              <a:lnSpc>
-                <a:spcPct val="150000"/>
-              </a:lnSpc>
-            </a:pPr>
-            <a:r>
-              <a:rPr lang="pt-BR" sz="1800" b="1" dirty="0">
-                <a:solidFill>
-                  <a:schemeClr val="tx1"/>
-                </a:solidFill>
-                <a:latin typeface="Hanken Grotesk" panose="020B0604020202020204" charset="0"/>
-              </a:rPr>
-              <a:t>Correlações:</a:t>
-            </a:r>
-            <a:r>
-              <a:rPr lang="pt-BR" sz="1800" dirty="0">
-                <a:solidFill>
-                  <a:schemeClr val="tx1"/>
-                </a:solidFill>
-                <a:latin typeface="Hanken Grotesk" panose="020B0604020202020204" charset="0"/>
-              </a:rPr>
-              <a:t> identifica fatores que influenciam o consumo;</a:t>
-            </a:r>
-          </a:p>
-          <a:p>
-            <a:pPr>
-              <a:lnSpc>
-                <a:spcPct val="150000"/>
-              </a:lnSpc>
-            </a:pPr>
-            <a:r>
-              <a:rPr lang="pt-BR" sz="1800" b="1" dirty="0">
-                <a:solidFill>
-                  <a:schemeClr val="tx1"/>
-                </a:solidFill>
-                <a:latin typeface="Hanken Grotesk" panose="020B0604020202020204" charset="0"/>
-              </a:rPr>
-              <a:t>Regressão Linear:</a:t>
-            </a:r>
-            <a:r>
-              <a:rPr lang="pt-BR" sz="1800" dirty="0">
-                <a:solidFill>
-                  <a:schemeClr val="tx1"/>
-                </a:solidFill>
-                <a:latin typeface="Hanken Grotesk" panose="020B0604020202020204" charset="0"/>
-              </a:rPr>
-              <a:t> compara consumo real x esperado.</a:t>
             </a:r>
           </a:p>
         </p:txBody>
@@ -26588,7 +27126,7 @@
         </p:nvSpPr>
         <p:spPr>
           <a:xfrm>
-            <a:off x="720000" y="1208641"/>
+            <a:off x="720000" y="1416390"/>
             <a:ext cx="6153150" cy="923330"/>
           </a:xfrm>
           <a:prstGeom prst="rect">
@@ -26628,6 +27166,334 @@
 </file>
 
 <file path=ppt/slides/slide8.xml><?xml version="1.0" encoding="utf-8"?>
+<p:sld xmlns:a="http://schemas.openxmlformats.org/drawingml/2006/main" xmlns:r="http://schemas.openxmlformats.org/officeDocument/2006/relationships" xmlns:p="http://schemas.openxmlformats.org/presentationml/2006/main">
+  <p:cSld>
+    <p:spTree>
+      <p:nvGrpSpPr>
+        <p:cNvPr id="1" name="Shape 759">
+          <a:extLst>
+            <a:ext uri="{FF2B5EF4-FFF2-40B4-BE49-F238E27FC236}">
+              <a16:creationId xmlns:a16="http://schemas.microsoft.com/office/drawing/2014/main" id="{1D05F40B-23FE-3CDA-7ED4-946488D73AB5}"/>
+            </a:ext>
+          </a:extLst>
+        </p:cNvPr>
+        <p:cNvGrpSpPr/>
+        <p:nvPr/>
+      </p:nvGrpSpPr>
+      <p:grpSpPr>
+        <a:xfrm>
+          <a:off x="0" y="0"/>
+          <a:ext cx="0" cy="0"/>
+          <a:chOff x="0" y="0"/>
+          <a:chExt cx="0" cy="0"/>
+        </a:xfrm>
+      </p:grpSpPr>
+      <p:sp>
+        <p:nvSpPr>
+          <p:cNvPr id="761" name="Google Shape;761;p33">
+            <a:extLst>
+              <a:ext uri="{FF2B5EF4-FFF2-40B4-BE49-F238E27FC236}">
+                <a16:creationId xmlns:a16="http://schemas.microsoft.com/office/drawing/2014/main" id="{AE3B26C3-0CBB-6DF7-6954-C1D1F60711D9}"/>
+              </a:ext>
+            </a:extLst>
+          </p:cNvPr>
+          <p:cNvSpPr txBox="1">
+            <a:spLocks noGrp="1"/>
+          </p:cNvSpPr>
+          <p:nvPr>
+            <p:ph type="title"/>
+          </p:nvPr>
+        </p:nvSpPr>
+        <p:spPr>
+          <a:xfrm>
+            <a:off x="720000" y="445025"/>
+            <a:ext cx="7704000" cy="572700"/>
+          </a:xfrm>
+          <a:prstGeom prst="rect">
+            <a:avLst/>
+          </a:prstGeom>
+        </p:spPr>
+        <p:txBody>
+          <a:bodyPr spcFirstLastPara="1" wrap="square" lIns="91425" tIns="91425" rIns="91425" bIns="91425" anchor="t" anchorCtr="0">
+            <a:noAutofit/>
+          </a:bodyPr>
+          <a:lstStyle/>
+          <a:p>
+            <a:pPr lvl="0"/>
+            <a:r>
+              <a:rPr lang="pt-BR" dirty="0"/>
+              <a:t>Funcionamento do Circuito – ESP32 + Sensor SCT-013</a:t>
+            </a:r>
+            <a:endParaRPr dirty="0"/>
+          </a:p>
+        </p:txBody>
+      </p:sp>
+      <p:sp>
+        <p:nvSpPr>
+          <p:cNvPr id="763" name="Google Shape;763;p33">
+            <a:extLst>
+              <a:ext uri="{FF2B5EF4-FFF2-40B4-BE49-F238E27FC236}">
+                <a16:creationId xmlns:a16="http://schemas.microsoft.com/office/drawing/2014/main" id="{0DF0389E-6489-C4A0-FEB6-94D570314417}"/>
+              </a:ext>
+            </a:extLst>
+          </p:cNvPr>
+          <p:cNvSpPr txBox="1">
+            <a:spLocks noGrp="1"/>
+          </p:cNvSpPr>
+          <p:nvPr>
+            <p:ph type="subTitle" idx="2"/>
+          </p:nvPr>
+        </p:nvSpPr>
+        <p:spPr>
+          <a:xfrm>
+            <a:off x="720000" y="1591056"/>
+            <a:ext cx="3394800" cy="2936350"/>
+          </a:xfrm>
+          <a:prstGeom prst="rect">
+            <a:avLst/>
+          </a:prstGeom>
+        </p:spPr>
+        <p:txBody>
+          <a:bodyPr spcFirstLastPara="1" wrap="square" lIns="91425" tIns="91425" rIns="91425" bIns="91425" anchor="t" anchorCtr="0">
+            <a:noAutofit/>
+          </a:bodyPr>
+          <a:lstStyle/>
+          <a:p>
+            <a:pPr marL="0" lvl="0" indent="0"/>
+            <a:r>
+              <a:rPr lang="pt-BR" sz="1650" b="1" dirty="0"/>
+              <a:t>Componentes:</a:t>
+            </a:r>
+          </a:p>
+          <a:p>
+            <a:pPr marL="0" lvl="0" indent="0"/>
+            <a:endParaRPr lang="pt-BR" sz="1650" b="1" dirty="0"/>
+          </a:p>
+          <a:p>
+            <a:pPr marL="0" lvl="0" indent="0"/>
+            <a:r>
+              <a:rPr lang="pt-BR" sz="1700" dirty="0"/>
+              <a:t>ESP32</a:t>
+            </a:r>
+          </a:p>
+          <a:p>
+            <a:pPr marL="0" lvl="0" indent="0"/>
+            <a:r>
+              <a:rPr lang="pt-BR" sz="1650" dirty="0"/>
+              <a:t>Lê o sinal analógico do sensor; Envia os dados pela rede Wi-Fi; para o </a:t>
+            </a:r>
+            <a:r>
+              <a:rPr lang="pt-BR" sz="1650" dirty="0" err="1"/>
+              <a:t>backend</a:t>
+            </a:r>
+            <a:r>
+              <a:rPr lang="pt-BR" sz="1650" dirty="0"/>
+              <a:t>. </a:t>
+            </a:r>
+          </a:p>
+          <a:p>
+            <a:pPr marL="0" lvl="0" indent="0"/>
+            <a:endParaRPr lang="pt-BR" sz="1650" dirty="0"/>
+          </a:p>
+          <a:p>
+            <a:pPr marL="0" lvl="0" indent="0"/>
+            <a:r>
+              <a:rPr lang="pt-BR" sz="1700" dirty="0"/>
+              <a:t>Sensor de Corrente SCT-013</a:t>
+            </a:r>
+          </a:p>
+          <a:p>
+            <a:pPr marL="0" lvl="0" indent="0"/>
+            <a:r>
+              <a:rPr lang="pt-BR" sz="1650" dirty="0"/>
+              <a:t>Mede corrente de forma não invasiva (sem cortar fio);</a:t>
+            </a:r>
+          </a:p>
+          <a:p>
+            <a:pPr marL="0" lvl="0" indent="0"/>
+            <a:r>
+              <a:rPr lang="pt-BR" sz="1650" dirty="0"/>
+              <a:t>Saída: tensão AC proporcional à corrente.</a:t>
+            </a:r>
+          </a:p>
+        </p:txBody>
+      </p:sp>
+      <p:sp>
+        <p:nvSpPr>
+          <p:cNvPr id="3" name="CaixaDeTexto 2">
+            <a:extLst>
+              <a:ext uri="{FF2B5EF4-FFF2-40B4-BE49-F238E27FC236}">
+                <a16:creationId xmlns:a16="http://schemas.microsoft.com/office/drawing/2014/main" id="{95EDB1C3-6B0B-7CBF-8B5D-A64ABB663516}"/>
+              </a:ext>
+            </a:extLst>
+          </p:cNvPr>
+          <p:cNvSpPr txBox="1"/>
+          <p:nvPr/>
+        </p:nvSpPr>
+        <p:spPr>
+          <a:xfrm>
+            <a:off x="4114800" y="1591056"/>
+            <a:ext cx="4645152" cy="1361911"/>
+          </a:xfrm>
+          <a:prstGeom prst="rect">
+            <a:avLst/>
+          </a:prstGeom>
+          <a:noFill/>
+        </p:spPr>
+        <p:txBody>
+          <a:bodyPr wrap="square">
+            <a:spAutoFit/>
+          </a:bodyPr>
+          <a:lstStyle/>
+          <a:p>
+            <a:r>
+              <a:rPr lang="pt-BR" sz="1700" b="1" dirty="0">
+                <a:solidFill>
+                  <a:schemeClr val="tx1"/>
+                </a:solidFill>
+                <a:latin typeface="Hanken Grotesk" panose="020B0604020202020204" charset="0"/>
+              </a:rPr>
+              <a:t>Necessidade do Circuito na Protoboard</a:t>
+            </a:r>
+          </a:p>
+          <a:p>
+            <a:r>
+              <a:rPr lang="pt-BR" sz="1650" dirty="0">
+                <a:solidFill>
+                  <a:schemeClr val="tx1"/>
+                </a:solidFill>
+                <a:latin typeface="Hanken Grotesk" panose="020B0604020202020204" charset="0"/>
+              </a:rPr>
+              <a:t>O SCT-013 gera sinal AC, mas o ESP32 só lê DC positiva. Por isso, é necessário condicionar o sinal antes de enviá-lo ao ADC do ESP32.</a:t>
+            </a:r>
+          </a:p>
+          <a:p>
+            <a:endParaRPr lang="pt-BR" sz="1650" dirty="0">
+              <a:solidFill>
+                <a:schemeClr val="tx1"/>
+              </a:solidFill>
+              <a:latin typeface="Hanken Grotesk" panose="020B0604020202020204" charset="0"/>
+            </a:endParaRPr>
+          </a:p>
+        </p:txBody>
+      </p:sp>
+      <p:sp>
+        <p:nvSpPr>
+          <p:cNvPr id="5" name="CaixaDeTexto 4">
+            <a:extLst>
+              <a:ext uri="{FF2B5EF4-FFF2-40B4-BE49-F238E27FC236}">
+                <a16:creationId xmlns:a16="http://schemas.microsoft.com/office/drawing/2014/main" id="{E710B1CF-3A87-03B1-D728-79D0CC9B2937}"/>
+              </a:ext>
+            </a:extLst>
+          </p:cNvPr>
+          <p:cNvSpPr txBox="1"/>
+          <p:nvPr/>
+        </p:nvSpPr>
+        <p:spPr>
+          <a:xfrm>
+            <a:off x="4114800" y="2765926"/>
+            <a:ext cx="4213098" cy="2377574"/>
+          </a:xfrm>
+          <a:prstGeom prst="rect">
+            <a:avLst/>
+          </a:prstGeom>
+          <a:noFill/>
+        </p:spPr>
+        <p:txBody>
+          <a:bodyPr wrap="square">
+            <a:spAutoFit/>
+          </a:bodyPr>
+          <a:lstStyle/>
+          <a:p>
+            <a:r>
+              <a:rPr lang="pt-BR" sz="1700" b="1" dirty="0">
+                <a:solidFill>
+                  <a:schemeClr val="tx1"/>
+                </a:solidFill>
+                <a:latin typeface="Hanken Grotesk" panose="020B0604020202020204" charset="0"/>
+              </a:rPr>
+              <a:t>Partes do Circuito de Condicionamento</a:t>
+            </a:r>
+          </a:p>
+          <a:p>
+            <a:endParaRPr lang="pt-BR" sz="1650" b="1" dirty="0">
+              <a:solidFill>
+                <a:schemeClr val="tx1"/>
+              </a:solidFill>
+              <a:latin typeface="Hanken Grotesk" panose="020B0604020202020204" charset="0"/>
+            </a:endParaRPr>
+          </a:p>
+          <a:p>
+            <a:r>
+              <a:rPr lang="pt-BR" sz="1700" dirty="0">
+                <a:solidFill>
+                  <a:schemeClr val="tx1"/>
+                </a:solidFill>
+                <a:latin typeface="Hanken Grotesk" panose="020B0604020202020204" charset="0"/>
+              </a:rPr>
+              <a:t>Divisor de Tensão (2 resistores)</a:t>
+            </a:r>
+          </a:p>
+          <a:p>
+            <a:r>
+              <a:rPr lang="pt-BR" sz="1650" dirty="0">
+                <a:solidFill>
+                  <a:schemeClr val="tx1"/>
+                </a:solidFill>
+                <a:latin typeface="Hanken Grotesk" panose="020B0604020202020204" charset="0"/>
+              </a:rPr>
+              <a:t>Cria um offset (ex.: 1.65V).Centraliza o sinal AC na faixa de leitura do ADC;</a:t>
+            </a:r>
+          </a:p>
+          <a:p>
+            <a:r>
+              <a:rPr lang="pt-BR" sz="1650" dirty="0">
+                <a:solidFill>
+                  <a:schemeClr val="tx1"/>
+                </a:solidFill>
+                <a:latin typeface="Hanken Grotesk" panose="020B0604020202020204" charset="0"/>
+              </a:rPr>
+              <a:t>Capacitor Eletrolítico;</a:t>
+            </a:r>
+          </a:p>
+          <a:p>
+            <a:r>
+              <a:rPr lang="pt-BR" sz="1650" dirty="0">
+                <a:solidFill>
+                  <a:schemeClr val="tx1"/>
+                </a:solidFill>
+                <a:latin typeface="Hanken Grotesk" panose="020B0604020202020204" charset="0"/>
+              </a:rPr>
+              <a:t>Remove componentes DC indesejados;</a:t>
+            </a:r>
+          </a:p>
+          <a:p>
+            <a:r>
+              <a:rPr lang="pt-BR" sz="1650" dirty="0">
+                <a:solidFill>
+                  <a:schemeClr val="tx1"/>
+                </a:solidFill>
+                <a:latin typeface="Hanken Grotesk" panose="020B0604020202020204" charset="0"/>
+              </a:rPr>
+              <a:t>Permite somente a parte AC do sinal flutuar ao redor do offset.</a:t>
+            </a:r>
+          </a:p>
+        </p:txBody>
+      </p:sp>
+    </p:spTree>
+    <p:extLst>
+      <p:ext uri="{BB962C8B-B14F-4D97-AF65-F5344CB8AC3E}">
+        <p14:creationId xmlns:p14="http://schemas.microsoft.com/office/powerpoint/2010/main" val="4105070524"/>
+      </p:ext>
+    </p:extLst>
+  </p:cSld>
+  <p:clrMapOvr>
+    <a:masterClrMapping/>
+  </p:clrMapOvr>
+</p:sld>
+</file>
+
+<file path=ppt/slides/slide9.xml><?xml version="1.0" encoding="utf-8"?>
 <p:sld xmlns:a="http://schemas.openxmlformats.org/drawingml/2006/main" xmlns:r="http://schemas.openxmlformats.org/officeDocument/2006/relationships" xmlns:p="http://schemas.openxmlformats.org/presentationml/2006/main">
   <p:cSld>
     <p:spTree>
@@ -26940,170 +27806,6 @@
     <p:extLst>
       <p:ext uri="{BB962C8B-B14F-4D97-AF65-F5344CB8AC3E}">
         <p14:creationId xmlns:p14="http://schemas.microsoft.com/office/powerpoint/2010/main" val="3517279114"/>
-      </p:ext>
-    </p:extLst>
-  </p:cSld>
-  <p:clrMapOvr>
-    <a:masterClrMapping/>
-  </p:clrMapOvr>
-</p:sld>
-</file>
-
-<file path=ppt/slides/slide9.xml><?xml version="1.0" encoding="utf-8"?>
-<p:sld xmlns:a="http://schemas.openxmlformats.org/drawingml/2006/main" xmlns:r="http://schemas.openxmlformats.org/officeDocument/2006/relationships" xmlns:p="http://schemas.openxmlformats.org/presentationml/2006/main">
-  <p:cSld>
-    <p:spTree>
-      <p:nvGrpSpPr>
-        <p:cNvPr id="1" name="Shape 759">
-          <a:extLst>
-            <a:ext uri="{FF2B5EF4-FFF2-40B4-BE49-F238E27FC236}">
-              <a16:creationId xmlns:a16="http://schemas.microsoft.com/office/drawing/2014/main" id="{07757586-9DEF-8804-675F-A8CB7461F92B}"/>
-            </a:ext>
-          </a:extLst>
-        </p:cNvPr>
-        <p:cNvGrpSpPr/>
-        <p:nvPr/>
-      </p:nvGrpSpPr>
-      <p:grpSpPr>
-        <a:xfrm>
-          <a:off x="0" y="0"/>
-          <a:ext cx="0" cy="0"/>
-          <a:chOff x="0" y="0"/>
-          <a:chExt cx="0" cy="0"/>
-        </a:xfrm>
-      </p:grpSpPr>
-      <p:sp>
-        <p:nvSpPr>
-          <p:cNvPr id="761" name="Google Shape;761;p33">
-            <a:extLst>
-              <a:ext uri="{FF2B5EF4-FFF2-40B4-BE49-F238E27FC236}">
-                <a16:creationId xmlns:a16="http://schemas.microsoft.com/office/drawing/2014/main" id="{7B352D48-C3C5-0FC1-37DB-0292D3551CC5}"/>
-              </a:ext>
-            </a:extLst>
-          </p:cNvPr>
-          <p:cNvSpPr txBox="1">
-            <a:spLocks noGrp="1"/>
-          </p:cNvSpPr>
-          <p:nvPr>
-            <p:ph type="title"/>
-          </p:nvPr>
-        </p:nvSpPr>
-        <p:spPr>
-          <a:xfrm>
-            <a:off x="720000" y="445025"/>
-            <a:ext cx="7704000" cy="572700"/>
-          </a:xfrm>
-          <a:prstGeom prst="rect">
-            <a:avLst/>
-          </a:prstGeom>
-        </p:spPr>
-        <p:txBody>
-          <a:bodyPr spcFirstLastPara="1" wrap="square" lIns="91425" tIns="91425" rIns="91425" bIns="91425" anchor="t" anchorCtr="0">
-            <a:noAutofit/>
-          </a:bodyPr>
-          <a:lstStyle/>
-          <a:p>
-            <a:pPr lvl="0"/>
-            <a:r>
-              <a:rPr lang="pt-BR" dirty="0"/>
-              <a:t>CONEXÃO E CONFIGURAÇÕES</a:t>
-            </a:r>
-            <a:endParaRPr dirty="0"/>
-          </a:p>
-        </p:txBody>
-      </p:sp>
-      <p:sp>
-        <p:nvSpPr>
-          <p:cNvPr id="763" name="Google Shape;763;p33">
-            <a:extLst>
-              <a:ext uri="{FF2B5EF4-FFF2-40B4-BE49-F238E27FC236}">
-                <a16:creationId xmlns:a16="http://schemas.microsoft.com/office/drawing/2014/main" id="{1BF239B3-69B3-3FDB-26C6-5E693065E26E}"/>
-              </a:ext>
-            </a:extLst>
-          </p:cNvPr>
-          <p:cNvSpPr txBox="1">
-            <a:spLocks noGrp="1"/>
-          </p:cNvSpPr>
-          <p:nvPr>
-            <p:ph type="subTitle" idx="2"/>
-          </p:nvPr>
-        </p:nvSpPr>
-        <p:spPr>
-          <a:xfrm>
-            <a:off x="720000" y="1262051"/>
-            <a:ext cx="6519001" cy="3503099"/>
-          </a:xfrm>
-          <a:prstGeom prst="rect">
-            <a:avLst/>
-          </a:prstGeom>
-        </p:spPr>
-        <p:txBody>
-          <a:bodyPr spcFirstLastPara="1" wrap="square" lIns="91425" tIns="91425" rIns="91425" bIns="91425" anchor="t" anchorCtr="0">
-            <a:noAutofit/>
-          </a:bodyPr>
-          <a:lstStyle/>
-          <a:p>
-            <a:pPr marL="342900" lvl="0" indent="-342900">
-              <a:lnSpc>
-                <a:spcPct val="150000"/>
-              </a:lnSpc>
-              <a:buFont typeface="Wingdings" panose="05000000000000000000" pitchFamily="2" charset="2"/>
-              <a:buChar char="§"/>
-            </a:pPr>
-            <a:r>
-              <a:rPr lang="pt-BR" sz="2000" dirty="0"/>
-              <a:t>Wi-Fi: Define SSID, senha e conecta o ESP32 à rede.</a:t>
-            </a:r>
-          </a:p>
-          <a:p>
-            <a:pPr marL="342900" lvl="0" indent="-342900">
-              <a:lnSpc>
-                <a:spcPct val="150000"/>
-              </a:lnSpc>
-              <a:buFont typeface="Wingdings" panose="05000000000000000000" pitchFamily="2" charset="2"/>
-              <a:buChar char="§"/>
-            </a:pPr>
-            <a:r>
-              <a:rPr lang="pt-BR" sz="2000" dirty="0"/>
-              <a:t>Sensor SCT-013: Configura pino ADC (34), tensão RMS (110V) e constante de calibração (6.06).</a:t>
-            </a:r>
-          </a:p>
-          <a:p>
-            <a:pPr marL="342900" lvl="0" indent="-342900">
-              <a:lnSpc>
-                <a:spcPct val="150000"/>
-              </a:lnSpc>
-              <a:buFont typeface="Wingdings" panose="05000000000000000000" pitchFamily="2" charset="2"/>
-              <a:buChar char="§"/>
-            </a:pPr>
-            <a:r>
-              <a:rPr lang="pt-BR" sz="2000" dirty="0"/>
-              <a:t>Identificação do Dispositivo: ID único (REL001).</a:t>
-            </a:r>
-          </a:p>
-          <a:p>
-            <a:pPr marL="342900" lvl="0" indent="-342900">
-              <a:lnSpc>
-                <a:spcPct val="150000"/>
-              </a:lnSpc>
-              <a:buFont typeface="Wingdings" panose="05000000000000000000" pitchFamily="2" charset="2"/>
-              <a:buChar char="§"/>
-            </a:pPr>
-            <a:r>
-              <a:rPr lang="pt-BR" sz="2000" dirty="0" err="1"/>
-              <a:t>Backend</a:t>
-            </a:r>
-            <a:r>
-              <a:rPr lang="pt-BR" sz="2000" dirty="0"/>
-              <a:t>: Define host (192.168.12.11) e porta (3001) para comunicação com a API.</a:t>
-            </a:r>
-          </a:p>
-        </p:txBody>
-      </p:sp>
-    </p:spTree>
-    <p:extLst>
-      <p:ext uri="{BB962C8B-B14F-4D97-AF65-F5344CB8AC3E}">
-        <p14:creationId xmlns:p14="http://schemas.microsoft.com/office/powerpoint/2010/main" val="2280013785"/>
       </p:ext>
     </p:extLst>
   </p:cSld>
